--- a/やり方.pptx
+++ b/やり方.pptx
@@ -105,6 +105,11 @@
       </a:defRPr>
     </a:lvl9pPr>
   </p:defaultTextStyle>
+  <p:extLst>
+    <p:ext uri="{EFAFB233-063F-42B5-8137-9DF3F51BA10A}">
+      <p15:sldGuideLst xmlns:p15="http://schemas.microsoft.com/office/powerpoint/2012/main"/>
+    </p:ext>
+  </p:extLst>
 </p:presentation>
 </file>
 
@@ -255,7 +260,7 @@
           <a:p>
             <a:fld id="{445F7568-3385-4210-94F0-32756D14464B}" type="datetimeFigureOut">
               <a:rPr kumimoji="1" lang="ja-JP" altLang="en-US" smtClean="0"/>
-              <a:t>2024/2/27</a:t>
+              <a:t>2024/3/7</a:t>
             </a:fld>
             <a:endParaRPr kumimoji="1" lang="ja-JP" altLang="en-US"/>
           </a:p>
@@ -485,7 +490,7 @@
           <a:p>
             <a:fld id="{445F7568-3385-4210-94F0-32756D14464B}" type="datetimeFigureOut">
               <a:rPr kumimoji="1" lang="ja-JP" altLang="en-US" smtClean="0"/>
-              <a:t>2024/2/27</a:t>
+              <a:t>2024/3/7</a:t>
             </a:fld>
             <a:endParaRPr kumimoji="1" lang="ja-JP" altLang="en-US"/>
           </a:p>
@@ -725,7 +730,7 @@
           <a:p>
             <a:fld id="{445F7568-3385-4210-94F0-32756D14464B}" type="datetimeFigureOut">
               <a:rPr kumimoji="1" lang="ja-JP" altLang="en-US" smtClean="0"/>
-              <a:t>2024/2/27</a:t>
+              <a:t>2024/3/7</a:t>
             </a:fld>
             <a:endParaRPr kumimoji="1" lang="ja-JP" altLang="en-US"/>
           </a:p>
@@ -955,7 +960,7 @@
           <a:p>
             <a:fld id="{445F7568-3385-4210-94F0-32756D14464B}" type="datetimeFigureOut">
               <a:rPr kumimoji="1" lang="ja-JP" altLang="en-US" smtClean="0"/>
-              <a:t>2024/2/27</a:t>
+              <a:t>2024/3/7</a:t>
             </a:fld>
             <a:endParaRPr kumimoji="1" lang="ja-JP" altLang="en-US"/>
           </a:p>
@@ -1230,7 +1235,7 @@
           <a:p>
             <a:fld id="{445F7568-3385-4210-94F0-32756D14464B}" type="datetimeFigureOut">
               <a:rPr kumimoji="1" lang="ja-JP" altLang="en-US" smtClean="0"/>
-              <a:t>2024/2/27</a:t>
+              <a:t>2024/3/7</a:t>
             </a:fld>
             <a:endParaRPr kumimoji="1" lang="ja-JP" altLang="en-US"/>
           </a:p>
@@ -1559,7 +1564,7 @@
           <a:p>
             <a:fld id="{445F7568-3385-4210-94F0-32756D14464B}" type="datetimeFigureOut">
               <a:rPr kumimoji="1" lang="ja-JP" altLang="en-US" smtClean="0"/>
-              <a:t>2024/2/27</a:t>
+              <a:t>2024/3/7</a:t>
             </a:fld>
             <a:endParaRPr kumimoji="1" lang="ja-JP" altLang="en-US"/>
           </a:p>
@@ -2035,7 +2040,7 @@
           <a:p>
             <a:fld id="{445F7568-3385-4210-94F0-32756D14464B}" type="datetimeFigureOut">
               <a:rPr kumimoji="1" lang="ja-JP" altLang="en-US" smtClean="0"/>
-              <a:t>2024/2/27</a:t>
+              <a:t>2024/3/7</a:t>
             </a:fld>
             <a:endParaRPr kumimoji="1" lang="ja-JP" altLang="en-US"/>
           </a:p>
@@ -2176,7 +2181,7 @@
           <a:p>
             <a:fld id="{445F7568-3385-4210-94F0-32756D14464B}" type="datetimeFigureOut">
               <a:rPr kumimoji="1" lang="ja-JP" altLang="en-US" smtClean="0"/>
-              <a:t>2024/2/27</a:t>
+              <a:t>2024/3/7</a:t>
             </a:fld>
             <a:endParaRPr kumimoji="1" lang="ja-JP" altLang="en-US"/>
           </a:p>
@@ -2289,7 +2294,7 @@
           <a:p>
             <a:fld id="{445F7568-3385-4210-94F0-32756D14464B}" type="datetimeFigureOut">
               <a:rPr kumimoji="1" lang="ja-JP" altLang="en-US" smtClean="0"/>
-              <a:t>2024/2/27</a:t>
+              <a:t>2024/3/7</a:t>
             </a:fld>
             <a:endParaRPr kumimoji="1" lang="ja-JP" altLang="en-US"/>
           </a:p>
@@ -2632,7 +2637,7 @@
           <a:p>
             <a:fld id="{445F7568-3385-4210-94F0-32756D14464B}" type="datetimeFigureOut">
               <a:rPr kumimoji="1" lang="ja-JP" altLang="en-US" smtClean="0"/>
-              <a:t>2024/2/27</a:t>
+              <a:t>2024/3/7</a:t>
             </a:fld>
             <a:endParaRPr kumimoji="1" lang="ja-JP" altLang="en-US"/>
           </a:p>
@@ -2920,7 +2925,7 @@
           <a:p>
             <a:fld id="{445F7568-3385-4210-94F0-32756D14464B}" type="datetimeFigureOut">
               <a:rPr kumimoji="1" lang="ja-JP" altLang="en-US" smtClean="0"/>
-              <a:t>2024/2/27</a:t>
+              <a:t>2024/3/7</a:t>
             </a:fld>
             <a:endParaRPr kumimoji="1" lang="ja-JP" altLang="en-US"/>
           </a:p>
@@ -3193,7 +3198,7 @@
           <a:p>
             <a:fld id="{445F7568-3385-4210-94F0-32756D14464B}" type="datetimeFigureOut">
               <a:rPr kumimoji="1" lang="ja-JP" altLang="en-US" smtClean="0"/>
-              <a:t>2024/2/27</a:t>
+              <a:t>2024/3/7</a:t>
             </a:fld>
             <a:endParaRPr kumimoji="1" lang="ja-JP" altLang="en-US"/>
           </a:p>
@@ -4073,7 +4078,7 @@
         <p:spPr>
           <a:xfrm>
             <a:off x="94852" y="242570"/>
-            <a:ext cx="4686366" cy="3693319"/>
+            <a:ext cx="4686366" cy="3416320"/>
           </a:xfrm>
           <a:prstGeom prst="rect">
             <a:avLst/>
@@ -4124,8 +4129,170 @@
               <a:t>これにより、同心円と直線はいつも同じ大きさで描画されることになる。</a:t>
             </a:r>
           </a:p>
-          <a:p>
-            <a:endParaRPr lang="ja-JP" altLang="en-US" dirty="0"/>
+        </p:txBody>
+      </p:sp>
+      <p:sp>
+        <p:nvSpPr>
+          <p:cNvPr id="2" name="テキスト ボックス 1">
+            <a:extLst>
+              <a:ext uri="{FF2B5EF4-FFF2-40B4-BE49-F238E27FC236}">
+                <a16:creationId xmlns:a16="http://schemas.microsoft.com/office/drawing/2014/main" id="{7704CEC4-7B0C-48DD-FEB9-7C6A1C9408F5}"/>
+              </a:ext>
+            </a:extLst>
+          </p:cNvPr>
+          <p:cNvSpPr txBox="1"/>
+          <p:nvPr/>
+        </p:nvSpPr>
+        <p:spPr>
+          <a:xfrm>
+            <a:off x="94852" y="3783629"/>
+            <a:ext cx="4686366" cy="3416320"/>
+          </a:xfrm>
+          <a:prstGeom prst="rect">
+            <a:avLst/>
+          </a:prstGeom>
+          <a:noFill/>
+        </p:spPr>
+        <p:txBody>
+          <a:bodyPr wrap="square">
+            <a:spAutoFit/>
+          </a:bodyPr>
+          <a:lstStyle/>
+          <a:p>
+            <a:r>
+              <a:rPr lang="ja-JP" altLang="en-US" dirty="0"/>
+              <a:t>ダイアログで次の二つの値を読み込む</a:t>
+            </a:r>
+            <a:endParaRPr lang="en-US" altLang="ja-JP" dirty="0"/>
+          </a:p>
+          <a:p>
+            <a:r>
+              <a:rPr lang="ja-JP" altLang="en-US" dirty="0"/>
+              <a:t>・撮影倍率：</a:t>
+            </a:r>
+            <a:r>
+              <a:rPr lang="en-US" altLang="ja-JP" dirty="0" err="1"/>
+              <a:t>PhotoMagnification</a:t>
+            </a:r>
+            <a:endParaRPr lang="en-US" altLang="ja-JP" dirty="0"/>
+          </a:p>
+          <a:p>
+            <a:r>
+              <a:rPr lang="ja-JP" altLang="en-US" dirty="0"/>
+              <a:t>・撮影画像の幅：</a:t>
+            </a:r>
+            <a:r>
+              <a:rPr lang="en-US" altLang="ja-JP" dirty="0" err="1"/>
+              <a:t>PhotoPictureWidth</a:t>
+            </a:r>
+            <a:endParaRPr lang="en-US" altLang="ja-JP" dirty="0"/>
+          </a:p>
+          <a:p>
+            <a:r>
+              <a:rPr lang="ja-JP" altLang="en-US" dirty="0"/>
+              <a:t>これらを使って、画像の高さが</a:t>
+            </a:r>
+            <a:r>
+              <a:rPr lang="en-US" altLang="ja-JP" dirty="0"/>
+              <a:t>140mm</a:t>
+            </a:r>
+            <a:r>
+              <a:rPr lang="ja-JP" altLang="en-US" dirty="0"/>
+              <a:t>のときの</a:t>
+            </a:r>
+            <a:r>
+              <a:rPr lang="en-US" altLang="ja-JP" dirty="0" err="1"/>
+              <a:t>PictureWidth</a:t>
+            </a:r>
+            <a:r>
+              <a:rPr lang="ja-JP" altLang="en-US" dirty="0"/>
+              <a:t>と</a:t>
+            </a:r>
+            <a:r>
+              <a:rPr lang="en-US" altLang="ja-JP" dirty="0"/>
+              <a:t>Magnification</a:t>
+            </a:r>
+            <a:r>
+              <a:rPr lang="ja-JP" altLang="en-US" dirty="0"/>
+              <a:t>を算出</a:t>
+            </a:r>
+            <a:endParaRPr lang="en-US" altLang="ja-JP" dirty="0"/>
+          </a:p>
+          <a:p>
+            <a:r>
+              <a:rPr lang="en-US" altLang="ja-JP" dirty="0" err="1"/>
+              <a:t>PhotoPictureHeight</a:t>
+            </a:r>
+            <a:r>
+              <a:rPr lang="en-US" altLang="ja-JP" dirty="0"/>
+              <a:t> = </a:t>
+            </a:r>
+            <a:r>
+              <a:rPr lang="en-US" altLang="ja-JP" dirty="0" err="1"/>
+              <a:t>PhotoPictureWidth</a:t>
+            </a:r>
+            <a:r>
+              <a:rPr lang="en-US" altLang="ja-JP" dirty="0"/>
+              <a:t>*</a:t>
+            </a:r>
+            <a:r>
+              <a:rPr lang="en-US" altLang="ja-JP" dirty="0" err="1"/>
+              <a:t>img_height</a:t>
+            </a:r>
+            <a:r>
+              <a:rPr lang="en-US" altLang="ja-JP" dirty="0"/>
+              <a:t>/</a:t>
+            </a:r>
+            <a:r>
+              <a:rPr lang="en-US" altLang="ja-JP" dirty="0" err="1"/>
+              <a:t>img_width</a:t>
+            </a:r>
+            <a:endParaRPr lang="en-US" altLang="ja-JP" dirty="0"/>
+          </a:p>
+          <a:p>
+            <a:r>
+              <a:rPr lang="en-US" altLang="ja-JP" dirty="0"/>
+              <a:t>Magnification=(140/</a:t>
+            </a:r>
+            <a:r>
+              <a:rPr lang="en-US" altLang="ja-JP" dirty="0" err="1"/>
+              <a:t>PhotoPictureWidth</a:t>
+            </a:r>
+            <a:r>
+              <a:rPr lang="en-US" altLang="ja-JP" dirty="0"/>
+              <a:t>)*</a:t>
+            </a:r>
+            <a:r>
+              <a:rPr lang="en-US" altLang="ja-JP" dirty="0" err="1"/>
+              <a:t>PhotoMagnification</a:t>
+            </a:r>
+            <a:endParaRPr lang="en-US" altLang="ja-JP" dirty="0"/>
+          </a:p>
+          <a:p>
+            <a:r>
+              <a:rPr lang="en-US" altLang="ja-JP" dirty="0" err="1"/>
+              <a:t>PictureWidth</a:t>
+            </a:r>
+            <a:r>
+              <a:rPr lang="en-US" altLang="ja-JP" dirty="0"/>
+              <a:t>=</a:t>
+            </a:r>
+            <a:r>
+              <a:rPr lang="en-US" altLang="ja-JP" dirty="0" err="1"/>
+              <a:t>PhotoPictureWidth</a:t>
+            </a:r>
+            <a:r>
+              <a:rPr lang="en-US" altLang="ja-JP" dirty="0"/>
+              <a:t>*Magnification/</a:t>
+            </a:r>
+            <a:r>
+              <a:rPr lang="en-US" altLang="ja-JP" dirty="0" err="1"/>
+              <a:t>PhotoMagnification</a:t>
+            </a:r>
+            <a:endParaRPr lang="en-US" altLang="ja-JP" dirty="0"/>
+          </a:p>
+          <a:p>
+            <a:endParaRPr lang="en-US" altLang="ja-JP" dirty="0"/>
           </a:p>
         </p:txBody>
       </p:sp>

--- a/やり方.pptx
+++ b/やり方.pptx
@@ -7,6 +7,7 @@
   <p:sldIdLst>
     <p:sldId id="256" r:id="rId2"/>
     <p:sldId id="257" r:id="rId3"/>
+    <p:sldId id="258" r:id="rId4"/>
   </p:sldIdLst>
   <p:sldSz cx="12192000" cy="6858000"/>
   <p:notesSz cx="6858000" cy="9144000"/>
@@ -260,7 +261,7 @@
           <a:p>
             <a:fld id="{445F7568-3385-4210-94F0-32756D14464B}" type="datetimeFigureOut">
               <a:rPr kumimoji="1" lang="ja-JP" altLang="en-US" smtClean="0"/>
-              <a:t>2024/3/7</a:t>
+              <a:t>2024/3/8</a:t>
             </a:fld>
             <a:endParaRPr kumimoji="1" lang="ja-JP" altLang="en-US"/>
           </a:p>
@@ -490,7 +491,7 @@
           <a:p>
             <a:fld id="{445F7568-3385-4210-94F0-32756D14464B}" type="datetimeFigureOut">
               <a:rPr kumimoji="1" lang="ja-JP" altLang="en-US" smtClean="0"/>
-              <a:t>2024/3/7</a:t>
+              <a:t>2024/3/8</a:t>
             </a:fld>
             <a:endParaRPr kumimoji="1" lang="ja-JP" altLang="en-US"/>
           </a:p>
@@ -730,7 +731,7 @@
           <a:p>
             <a:fld id="{445F7568-3385-4210-94F0-32756D14464B}" type="datetimeFigureOut">
               <a:rPr kumimoji="1" lang="ja-JP" altLang="en-US" smtClean="0"/>
-              <a:t>2024/3/7</a:t>
+              <a:t>2024/3/8</a:t>
             </a:fld>
             <a:endParaRPr kumimoji="1" lang="ja-JP" altLang="en-US"/>
           </a:p>
@@ -960,7 +961,7 @@
           <a:p>
             <a:fld id="{445F7568-3385-4210-94F0-32756D14464B}" type="datetimeFigureOut">
               <a:rPr kumimoji="1" lang="ja-JP" altLang="en-US" smtClean="0"/>
-              <a:t>2024/3/7</a:t>
+              <a:t>2024/3/8</a:t>
             </a:fld>
             <a:endParaRPr kumimoji="1" lang="ja-JP" altLang="en-US"/>
           </a:p>
@@ -1235,7 +1236,7 @@
           <a:p>
             <a:fld id="{445F7568-3385-4210-94F0-32756D14464B}" type="datetimeFigureOut">
               <a:rPr kumimoji="1" lang="ja-JP" altLang="en-US" smtClean="0"/>
-              <a:t>2024/3/7</a:t>
+              <a:t>2024/3/8</a:t>
             </a:fld>
             <a:endParaRPr kumimoji="1" lang="ja-JP" altLang="en-US"/>
           </a:p>
@@ -1564,7 +1565,7 @@
           <a:p>
             <a:fld id="{445F7568-3385-4210-94F0-32756D14464B}" type="datetimeFigureOut">
               <a:rPr kumimoji="1" lang="ja-JP" altLang="en-US" smtClean="0"/>
-              <a:t>2024/3/7</a:t>
+              <a:t>2024/3/8</a:t>
             </a:fld>
             <a:endParaRPr kumimoji="1" lang="ja-JP" altLang="en-US"/>
           </a:p>
@@ -2040,7 +2041,7 @@
           <a:p>
             <a:fld id="{445F7568-3385-4210-94F0-32756D14464B}" type="datetimeFigureOut">
               <a:rPr kumimoji="1" lang="ja-JP" altLang="en-US" smtClean="0"/>
-              <a:t>2024/3/7</a:t>
+              <a:t>2024/3/8</a:t>
             </a:fld>
             <a:endParaRPr kumimoji="1" lang="ja-JP" altLang="en-US"/>
           </a:p>
@@ -2181,7 +2182,7 @@
           <a:p>
             <a:fld id="{445F7568-3385-4210-94F0-32756D14464B}" type="datetimeFigureOut">
               <a:rPr kumimoji="1" lang="ja-JP" altLang="en-US" smtClean="0"/>
-              <a:t>2024/3/7</a:t>
+              <a:t>2024/3/8</a:t>
             </a:fld>
             <a:endParaRPr kumimoji="1" lang="ja-JP" altLang="en-US"/>
           </a:p>
@@ -2294,7 +2295,7 @@
           <a:p>
             <a:fld id="{445F7568-3385-4210-94F0-32756D14464B}" type="datetimeFigureOut">
               <a:rPr kumimoji="1" lang="ja-JP" altLang="en-US" smtClean="0"/>
-              <a:t>2024/3/7</a:t>
+              <a:t>2024/3/8</a:t>
             </a:fld>
             <a:endParaRPr kumimoji="1" lang="ja-JP" altLang="en-US"/>
           </a:p>
@@ -2637,7 +2638,7 @@
           <a:p>
             <a:fld id="{445F7568-3385-4210-94F0-32756D14464B}" type="datetimeFigureOut">
               <a:rPr kumimoji="1" lang="ja-JP" altLang="en-US" smtClean="0"/>
-              <a:t>2024/3/7</a:t>
+              <a:t>2024/3/8</a:t>
             </a:fld>
             <a:endParaRPr kumimoji="1" lang="ja-JP" altLang="en-US"/>
           </a:p>
@@ -2925,7 +2926,7 @@
           <a:p>
             <a:fld id="{445F7568-3385-4210-94F0-32756D14464B}" type="datetimeFigureOut">
               <a:rPr kumimoji="1" lang="ja-JP" altLang="en-US" smtClean="0"/>
-              <a:t>2024/3/7</a:t>
+              <a:t>2024/3/8</a:t>
             </a:fld>
             <a:endParaRPr kumimoji="1" lang="ja-JP" altLang="en-US"/>
           </a:p>
@@ -3198,7 +3199,7 @@
           <a:p>
             <a:fld id="{445F7568-3385-4210-94F0-32756D14464B}" type="datetimeFigureOut">
               <a:rPr kumimoji="1" lang="ja-JP" altLang="en-US" smtClean="0"/>
-              <a:t>2024/3/7</a:t>
+              <a:t>2024/3/8</a:t>
             </a:fld>
             <a:endParaRPr kumimoji="1" lang="ja-JP" altLang="en-US"/>
           </a:p>
@@ -4146,7 +4147,7 @@
         <p:spPr>
           <a:xfrm>
             <a:off x="94852" y="3783629"/>
-            <a:ext cx="4686366" cy="3416320"/>
+            <a:ext cx="4686366" cy="3693319"/>
           </a:xfrm>
           <a:prstGeom prst="rect">
             <a:avLst/>
@@ -4190,7 +4191,15 @@
           <a:p>
             <a:r>
               <a:rPr lang="ja-JP" altLang="en-US" dirty="0"/>
-              <a:t>これらを使って、画像の高さが</a:t>
+              <a:t>これらを使って、画像の高さ（</a:t>
+            </a:r>
+            <a:r>
+              <a:rPr lang="en-US" altLang="ja-JP" dirty="0" err="1"/>
+              <a:t>AnalysisPictureHeight</a:t>
+            </a:r>
+            <a:r>
+              <a:rPr lang="ja-JP" altLang="en-US" dirty="0"/>
+              <a:t>）が</a:t>
             </a:r>
             <a:r>
               <a:rPr lang="en-US" altLang="ja-JP" dirty="0"/>
@@ -4300,6 +4309,675 @@
     <p:extLst>
       <p:ext uri="{BB962C8B-B14F-4D97-AF65-F5344CB8AC3E}">
         <p14:creationId xmlns:p14="http://schemas.microsoft.com/office/powerpoint/2010/main" val="2138387360"/>
+      </p:ext>
+    </p:extLst>
+  </p:cSld>
+  <p:clrMapOvr>
+    <a:masterClrMapping/>
+  </p:clrMapOvr>
+</p:sld>
+</file>
+
+<file path=ppt/slides/slide3.xml><?xml version="1.0" encoding="utf-8"?>
+<p:sld xmlns:a="http://schemas.openxmlformats.org/drawingml/2006/main" xmlns:r="http://schemas.openxmlformats.org/officeDocument/2006/relationships" xmlns:p="http://schemas.openxmlformats.org/presentationml/2006/main">
+  <p:cSld>
+    <p:spTree>
+      <p:nvGrpSpPr>
+        <p:cNvPr id="1" name="">
+          <a:extLst>
+            <a:ext uri="{FF2B5EF4-FFF2-40B4-BE49-F238E27FC236}">
+              <a16:creationId xmlns:a16="http://schemas.microsoft.com/office/drawing/2014/main" id="{126982A7-8DAA-064C-0EF9-2DEE278C2FFA}"/>
+            </a:ext>
+          </a:extLst>
+        </p:cNvPr>
+        <p:cNvGrpSpPr/>
+        <p:nvPr/>
+      </p:nvGrpSpPr>
+      <p:grpSpPr>
+        <a:xfrm>
+          <a:off x="0" y="0"/>
+          <a:ext cx="0" cy="0"/>
+          <a:chOff x="0" y="0"/>
+          <a:chExt cx="0" cy="0"/>
+        </a:xfrm>
+      </p:grpSpPr>
+      <p:pic>
+        <p:nvPicPr>
+          <p:cNvPr id="5" name="図 4">
+            <a:extLst>
+              <a:ext uri="{FF2B5EF4-FFF2-40B4-BE49-F238E27FC236}">
+                <a16:creationId xmlns:a16="http://schemas.microsoft.com/office/drawing/2014/main" id="{1642F2EA-8B91-1A83-8686-46CEE42C6CE5}"/>
+              </a:ext>
+            </a:extLst>
+          </p:cNvPr>
+          <p:cNvPicPr>
+            <a:picLocks noChangeAspect="1"/>
+          </p:cNvPicPr>
+          <p:nvPr/>
+        </p:nvPicPr>
+        <p:blipFill>
+          <a:blip r:embed="rId2">
+            <a:extLst>
+              <a:ext uri="{28A0092B-C50C-407E-A947-70E740481C1C}">
+                <a14:useLocalDpi xmlns:a14="http://schemas.microsoft.com/office/drawing/2010/main" val="0"/>
+              </a:ext>
+            </a:extLst>
+          </a:blip>
+          <a:stretch>
+            <a:fillRect/>
+          </a:stretch>
+        </p:blipFill>
+        <p:spPr>
+          <a:xfrm>
+            <a:off x="2609780" y="909000"/>
+            <a:ext cx="6720000" cy="5040000"/>
+          </a:xfrm>
+          <a:prstGeom prst="rect">
+            <a:avLst/>
+          </a:prstGeom>
+        </p:spPr>
+      </p:pic>
+      <p:cxnSp>
+        <p:nvCxnSpPr>
+          <p:cNvPr id="7" name="直線コネクタ 6">
+            <a:extLst>
+              <a:ext uri="{FF2B5EF4-FFF2-40B4-BE49-F238E27FC236}">
+                <a16:creationId xmlns:a16="http://schemas.microsoft.com/office/drawing/2014/main" id="{C2B17D6A-3D3B-E407-F41E-71FF4F32084A}"/>
+              </a:ext>
+            </a:extLst>
+          </p:cNvPr>
+          <p:cNvCxnSpPr/>
+          <p:nvPr/>
+        </p:nvCxnSpPr>
+        <p:spPr>
+          <a:xfrm>
+            <a:off x="4169780" y="5609221"/>
+            <a:ext cx="3600000" cy="0"/>
+          </a:xfrm>
+          <a:prstGeom prst="line">
+            <a:avLst/>
+          </a:prstGeom>
+          <a:ln w="28575">
+            <a:solidFill>
+              <a:srgbClr val="FF0000"/>
+            </a:solidFill>
+          </a:ln>
+        </p:spPr>
+        <p:style>
+          <a:lnRef idx="1">
+            <a:schemeClr val="accent1"/>
+          </a:lnRef>
+          <a:fillRef idx="0">
+            <a:schemeClr val="accent1"/>
+          </a:fillRef>
+          <a:effectRef idx="0">
+            <a:schemeClr val="accent1"/>
+          </a:effectRef>
+          <a:fontRef idx="minor">
+            <a:schemeClr val="tx1"/>
+          </a:fontRef>
+        </p:style>
+      </p:cxnSp>
+      <p:cxnSp>
+        <p:nvCxnSpPr>
+          <p:cNvPr id="8" name="直線コネクタ 7">
+            <a:extLst>
+              <a:ext uri="{FF2B5EF4-FFF2-40B4-BE49-F238E27FC236}">
+                <a16:creationId xmlns:a16="http://schemas.microsoft.com/office/drawing/2014/main" id="{49634C49-C9BA-92C3-BC95-9AA4A7FB7C7F}"/>
+              </a:ext>
+            </a:extLst>
+          </p:cNvPr>
+          <p:cNvCxnSpPr>
+            <a:cxnSpLocks/>
+          </p:cNvCxnSpPr>
+          <p:nvPr/>
+        </p:nvCxnSpPr>
+        <p:spPr>
+          <a:xfrm rot="16200000">
+            <a:off x="2037170" y="3429000"/>
+            <a:ext cx="3600000" cy="0"/>
+          </a:xfrm>
+          <a:prstGeom prst="line">
+            <a:avLst/>
+          </a:prstGeom>
+          <a:ln w="28575">
+            <a:solidFill>
+              <a:srgbClr val="FF0000"/>
+            </a:solidFill>
+          </a:ln>
+        </p:spPr>
+        <p:style>
+          <a:lnRef idx="1">
+            <a:schemeClr val="accent1"/>
+          </a:lnRef>
+          <a:fillRef idx="0">
+            <a:schemeClr val="accent1"/>
+          </a:fillRef>
+          <a:effectRef idx="0">
+            <a:schemeClr val="accent1"/>
+          </a:effectRef>
+          <a:fontRef idx="minor">
+            <a:schemeClr val="tx1"/>
+          </a:fontRef>
+        </p:style>
+      </p:cxnSp>
+      <p:cxnSp>
+        <p:nvCxnSpPr>
+          <p:cNvPr id="9" name="直線コネクタ 8">
+            <a:extLst>
+              <a:ext uri="{FF2B5EF4-FFF2-40B4-BE49-F238E27FC236}">
+                <a16:creationId xmlns:a16="http://schemas.microsoft.com/office/drawing/2014/main" id="{89732131-436E-F025-6685-193FBA99D66C}"/>
+              </a:ext>
+            </a:extLst>
+          </p:cNvPr>
+          <p:cNvCxnSpPr>
+            <a:cxnSpLocks/>
+          </p:cNvCxnSpPr>
+          <p:nvPr/>
+        </p:nvCxnSpPr>
+        <p:spPr>
+          <a:xfrm rot="2700000">
+            <a:off x="3269781" y="3436813"/>
+            <a:ext cx="5400000" cy="0"/>
+          </a:xfrm>
+          <a:prstGeom prst="line">
+            <a:avLst/>
+          </a:prstGeom>
+          <a:ln w="28575">
+            <a:solidFill>
+              <a:srgbClr val="FF0000"/>
+            </a:solidFill>
+          </a:ln>
+        </p:spPr>
+        <p:style>
+          <a:lnRef idx="1">
+            <a:schemeClr val="accent1"/>
+          </a:lnRef>
+          <a:fillRef idx="0">
+            <a:schemeClr val="accent1"/>
+          </a:fillRef>
+          <a:effectRef idx="0">
+            <a:schemeClr val="accent1"/>
+          </a:effectRef>
+          <a:fontRef idx="minor">
+            <a:schemeClr val="tx1"/>
+          </a:fontRef>
+        </p:style>
+      </p:cxnSp>
+      <p:cxnSp>
+        <p:nvCxnSpPr>
+          <p:cNvPr id="10" name="直線コネクタ 9">
+            <a:extLst>
+              <a:ext uri="{FF2B5EF4-FFF2-40B4-BE49-F238E27FC236}">
+                <a16:creationId xmlns:a16="http://schemas.microsoft.com/office/drawing/2014/main" id="{7A66BFFF-3D8A-81BF-C333-995BA9DB959E}"/>
+              </a:ext>
+            </a:extLst>
+          </p:cNvPr>
+          <p:cNvCxnSpPr>
+            <a:cxnSpLocks/>
+          </p:cNvCxnSpPr>
+          <p:nvPr/>
+        </p:nvCxnSpPr>
+        <p:spPr>
+          <a:xfrm rot="18900000" flipH="1">
+            <a:off x="3269783" y="3428998"/>
+            <a:ext cx="5400000" cy="0"/>
+          </a:xfrm>
+          <a:prstGeom prst="line">
+            <a:avLst/>
+          </a:prstGeom>
+          <a:ln w="28575">
+            <a:solidFill>
+              <a:srgbClr val="FF0000"/>
+            </a:solidFill>
+          </a:ln>
+        </p:spPr>
+        <p:style>
+          <a:lnRef idx="1">
+            <a:schemeClr val="accent1"/>
+          </a:lnRef>
+          <a:fillRef idx="0">
+            <a:schemeClr val="accent1"/>
+          </a:fillRef>
+          <a:effectRef idx="0">
+            <a:schemeClr val="accent1"/>
+          </a:effectRef>
+          <a:fontRef idx="minor">
+            <a:schemeClr val="tx1"/>
+          </a:fontRef>
+        </p:style>
+      </p:cxnSp>
+      <p:sp>
+        <p:nvSpPr>
+          <p:cNvPr id="4" name="テキスト ボックス 3">
+            <a:extLst>
+              <a:ext uri="{FF2B5EF4-FFF2-40B4-BE49-F238E27FC236}">
+                <a16:creationId xmlns:a16="http://schemas.microsoft.com/office/drawing/2014/main" id="{F78F9E69-C934-311D-17E8-F727E52997B0}"/>
+              </a:ext>
+            </a:extLst>
+          </p:cNvPr>
+          <p:cNvSpPr txBox="1"/>
+          <p:nvPr/>
+        </p:nvSpPr>
+        <p:spPr>
+          <a:xfrm>
+            <a:off x="1937800" y="615143"/>
+            <a:ext cx="671979" cy="369332"/>
+          </a:xfrm>
+          <a:prstGeom prst="rect">
+            <a:avLst/>
+          </a:prstGeom>
+          <a:noFill/>
+        </p:spPr>
+        <p:txBody>
+          <a:bodyPr wrap="none" rtlCol="0">
+            <a:spAutoFit/>
+          </a:bodyPr>
+          <a:lstStyle/>
+          <a:p>
+            <a:r>
+              <a:rPr kumimoji="1" lang="en-US" altLang="ja-JP" dirty="0"/>
+              <a:t>0</a:t>
+            </a:r>
+            <a:r>
+              <a:rPr kumimoji="1" lang="ja-JP" altLang="en-US" dirty="0"/>
+              <a:t>，</a:t>
+            </a:r>
+            <a:r>
+              <a:rPr kumimoji="1" lang="en-US" altLang="ja-JP" dirty="0"/>
+              <a:t>0</a:t>
+            </a:r>
+            <a:endParaRPr kumimoji="1" lang="ja-JP" altLang="en-US" dirty="0"/>
+          </a:p>
+        </p:txBody>
+      </p:sp>
+      <p:sp>
+        <p:nvSpPr>
+          <p:cNvPr id="6" name="テキスト ボックス 5">
+            <a:extLst>
+              <a:ext uri="{FF2B5EF4-FFF2-40B4-BE49-F238E27FC236}">
+                <a16:creationId xmlns:a16="http://schemas.microsoft.com/office/drawing/2014/main" id="{017FEC2F-EC31-3DEF-56F8-E809E39FEB6D}"/>
+              </a:ext>
+            </a:extLst>
+          </p:cNvPr>
+          <p:cNvSpPr txBox="1"/>
+          <p:nvPr/>
+        </p:nvSpPr>
+        <p:spPr>
+          <a:xfrm>
+            <a:off x="9140158" y="6002392"/>
+            <a:ext cx="1503938" cy="369332"/>
+          </a:xfrm>
+          <a:prstGeom prst="rect">
+            <a:avLst/>
+          </a:prstGeom>
+          <a:noFill/>
+        </p:spPr>
+        <p:txBody>
+          <a:bodyPr wrap="none" rtlCol="0">
+            <a:spAutoFit/>
+          </a:bodyPr>
+          <a:lstStyle/>
+          <a:p>
+            <a:r>
+              <a:rPr kumimoji="1" lang="en-US" altLang="ja-JP" dirty="0"/>
+              <a:t>640</a:t>
+            </a:r>
+            <a:r>
+              <a:rPr kumimoji="1" lang="ja-JP" altLang="en-US" dirty="0"/>
+              <a:t>，</a:t>
+            </a:r>
+            <a:r>
+              <a:rPr kumimoji="1" lang="en-US" altLang="ja-JP" dirty="0"/>
+              <a:t>Height</a:t>
+            </a:r>
+            <a:endParaRPr kumimoji="1" lang="ja-JP" altLang="en-US" dirty="0"/>
+          </a:p>
+        </p:txBody>
+      </p:sp>
+      <p:sp>
+        <p:nvSpPr>
+          <p:cNvPr id="12" name="左中かっこ 11">
+            <a:extLst>
+              <a:ext uri="{FF2B5EF4-FFF2-40B4-BE49-F238E27FC236}">
+                <a16:creationId xmlns:a16="http://schemas.microsoft.com/office/drawing/2014/main" id="{AF5A6BFB-B5F1-5A45-AEC2-CA13BB451E0A}"/>
+              </a:ext>
+            </a:extLst>
+          </p:cNvPr>
+          <p:cNvSpPr/>
+          <p:nvPr/>
+        </p:nvSpPr>
+        <p:spPr>
+          <a:xfrm>
+            <a:off x="2273300" y="909000"/>
+            <a:ext cx="203200" cy="5040000"/>
+          </a:xfrm>
+          <a:prstGeom prst="leftBrace">
+            <a:avLst/>
+          </a:prstGeom>
+        </p:spPr>
+        <p:style>
+          <a:lnRef idx="1">
+            <a:schemeClr val="dk1"/>
+          </a:lnRef>
+          <a:fillRef idx="0">
+            <a:schemeClr val="dk1"/>
+          </a:fillRef>
+          <a:effectRef idx="0">
+            <a:schemeClr val="dk1"/>
+          </a:effectRef>
+          <a:fontRef idx="minor">
+            <a:schemeClr val="tx1"/>
+          </a:fontRef>
+        </p:style>
+        <p:txBody>
+          <a:bodyPr rtlCol="0" anchor="ctr"/>
+          <a:lstStyle/>
+          <a:p>
+            <a:pPr algn="ctr"/>
+            <a:endParaRPr kumimoji="1" lang="ja-JP" altLang="en-US"/>
+          </a:p>
+        </p:txBody>
+      </p:sp>
+      <p:sp>
+        <p:nvSpPr>
+          <p:cNvPr id="13" name="左中かっこ 12">
+            <a:extLst>
+              <a:ext uri="{FF2B5EF4-FFF2-40B4-BE49-F238E27FC236}">
+                <a16:creationId xmlns:a16="http://schemas.microsoft.com/office/drawing/2014/main" id="{6F4F19D2-350D-E503-A8A6-CF791B554464}"/>
+              </a:ext>
+            </a:extLst>
+          </p:cNvPr>
+          <p:cNvSpPr/>
+          <p:nvPr/>
+        </p:nvSpPr>
+        <p:spPr>
+          <a:xfrm rot="5400000">
+            <a:off x="5881241" y="-2648728"/>
+            <a:ext cx="177075" cy="6719999"/>
+          </a:xfrm>
+          <a:prstGeom prst="leftBrace">
+            <a:avLst/>
+          </a:prstGeom>
+        </p:spPr>
+        <p:style>
+          <a:lnRef idx="1">
+            <a:schemeClr val="dk1"/>
+          </a:lnRef>
+          <a:fillRef idx="0">
+            <a:schemeClr val="dk1"/>
+          </a:fillRef>
+          <a:effectRef idx="0">
+            <a:schemeClr val="dk1"/>
+          </a:effectRef>
+          <a:fontRef idx="minor">
+            <a:schemeClr val="tx1"/>
+          </a:fontRef>
+        </p:style>
+        <p:txBody>
+          <a:bodyPr rtlCol="0" anchor="ctr"/>
+          <a:lstStyle/>
+          <a:p>
+            <a:pPr algn="ctr"/>
+            <a:endParaRPr kumimoji="1" lang="ja-JP" altLang="en-US"/>
+          </a:p>
+        </p:txBody>
+      </p:sp>
+      <p:sp>
+        <p:nvSpPr>
+          <p:cNvPr id="14" name="テキスト ボックス 13">
+            <a:extLst>
+              <a:ext uri="{FF2B5EF4-FFF2-40B4-BE49-F238E27FC236}">
+                <a16:creationId xmlns:a16="http://schemas.microsoft.com/office/drawing/2014/main" id="{CBB09D7B-1AEA-B6AA-462C-B4F0F9BFF599}"/>
+              </a:ext>
+            </a:extLst>
+          </p:cNvPr>
+          <p:cNvSpPr txBox="1"/>
+          <p:nvPr/>
+        </p:nvSpPr>
+        <p:spPr>
+          <a:xfrm>
+            <a:off x="4056081" y="223393"/>
+            <a:ext cx="4079837" cy="369332"/>
+          </a:xfrm>
+          <a:prstGeom prst="rect">
+            <a:avLst/>
+          </a:prstGeom>
+          <a:noFill/>
+        </p:spPr>
+        <p:txBody>
+          <a:bodyPr wrap="square" rtlCol="0">
+            <a:spAutoFit/>
+          </a:bodyPr>
+          <a:lstStyle/>
+          <a:p>
+            <a:r>
+              <a:rPr kumimoji="1" lang="en-US" altLang="ja-JP" dirty="0" err="1"/>
+              <a:t>PictureWidth</a:t>
+            </a:r>
+            <a:r>
+              <a:rPr kumimoji="1" lang="ja-JP" altLang="en-US" dirty="0"/>
+              <a:t>（</a:t>
+            </a:r>
+            <a:r>
+              <a:rPr kumimoji="1" lang="en-US" altLang="ja-JP" dirty="0"/>
+              <a:t>140×640</a:t>
+            </a:r>
+            <a:r>
+              <a:rPr kumimoji="1" lang="ja-JP" altLang="en-US" dirty="0"/>
+              <a:t>／</a:t>
+            </a:r>
+            <a:r>
+              <a:rPr kumimoji="1" lang="en-US" altLang="ja-JP" dirty="0"/>
+              <a:t>Height</a:t>
+            </a:r>
+            <a:r>
+              <a:rPr kumimoji="1" lang="ja-JP" altLang="en-US" dirty="0"/>
+              <a:t>）</a:t>
+            </a:r>
+          </a:p>
+        </p:txBody>
+      </p:sp>
+      <p:sp>
+        <p:nvSpPr>
+          <p:cNvPr id="15" name="テキスト ボックス 14">
+            <a:extLst>
+              <a:ext uri="{FF2B5EF4-FFF2-40B4-BE49-F238E27FC236}">
+                <a16:creationId xmlns:a16="http://schemas.microsoft.com/office/drawing/2014/main" id="{CDF211E5-C576-7D41-3215-1B5126E9553C}"/>
+              </a:ext>
+            </a:extLst>
+          </p:cNvPr>
+          <p:cNvSpPr txBox="1"/>
+          <p:nvPr/>
+        </p:nvSpPr>
+        <p:spPr>
+          <a:xfrm>
+            <a:off x="1319067" y="3244332"/>
+            <a:ext cx="966931" cy="369332"/>
+          </a:xfrm>
+          <a:prstGeom prst="rect">
+            <a:avLst/>
+          </a:prstGeom>
+          <a:noFill/>
+        </p:spPr>
+        <p:txBody>
+          <a:bodyPr wrap="none" rtlCol="0">
+            <a:spAutoFit/>
+          </a:bodyPr>
+          <a:lstStyle/>
+          <a:p>
+            <a:r>
+              <a:rPr kumimoji="1" lang="en-US" altLang="ja-JP" dirty="0"/>
+              <a:t>140mm</a:t>
+            </a:r>
+            <a:endParaRPr kumimoji="1" lang="ja-JP" altLang="en-US" dirty="0"/>
+          </a:p>
+        </p:txBody>
+      </p:sp>
+      <p:sp>
+        <p:nvSpPr>
+          <p:cNvPr id="17" name="テキスト ボックス 16">
+            <a:extLst>
+              <a:ext uri="{FF2B5EF4-FFF2-40B4-BE49-F238E27FC236}">
+                <a16:creationId xmlns:a16="http://schemas.microsoft.com/office/drawing/2014/main" id="{ABE6A625-04F7-6210-31B1-44B8805ACB81}"/>
+              </a:ext>
+            </a:extLst>
+          </p:cNvPr>
+          <p:cNvSpPr txBox="1"/>
+          <p:nvPr/>
+        </p:nvSpPr>
+        <p:spPr>
+          <a:xfrm>
+            <a:off x="7671383" y="2010289"/>
+            <a:ext cx="1180072" cy="369332"/>
+          </a:xfrm>
+          <a:prstGeom prst="rect">
+            <a:avLst/>
+          </a:prstGeom>
+          <a:solidFill>
+            <a:schemeClr val="bg1"/>
+          </a:solidFill>
+        </p:spPr>
+        <p:txBody>
+          <a:bodyPr wrap="square" rtlCol="0">
+            <a:spAutoFit/>
+          </a:bodyPr>
+          <a:lstStyle/>
+          <a:p>
+            <a:r>
+              <a:rPr kumimoji="1" lang="en-US" altLang="ja-JP" dirty="0"/>
+              <a:t>79.58mm</a:t>
+            </a:r>
+            <a:endParaRPr kumimoji="1" lang="ja-JP" altLang="en-US" dirty="0"/>
+          </a:p>
+        </p:txBody>
+      </p:sp>
+      <p:sp>
+        <p:nvSpPr>
+          <p:cNvPr id="18" name="テキスト ボックス 17">
+            <a:extLst>
+              <a:ext uri="{FF2B5EF4-FFF2-40B4-BE49-F238E27FC236}">
+                <a16:creationId xmlns:a16="http://schemas.microsoft.com/office/drawing/2014/main" id="{45A9E132-3927-6D9B-DFD8-F7529912CC42}"/>
+              </a:ext>
+            </a:extLst>
+          </p:cNvPr>
+          <p:cNvSpPr txBox="1"/>
+          <p:nvPr/>
+        </p:nvSpPr>
+        <p:spPr>
+          <a:xfrm>
+            <a:off x="7288935" y="3230558"/>
+            <a:ext cx="1180072" cy="369332"/>
+          </a:xfrm>
+          <a:prstGeom prst="rect">
+            <a:avLst/>
+          </a:prstGeom>
+          <a:solidFill>
+            <a:schemeClr val="bg1"/>
+          </a:solidFill>
+        </p:spPr>
+        <p:txBody>
+          <a:bodyPr wrap="square" rtlCol="0">
+            <a:spAutoFit/>
+          </a:bodyPr>
+          <a:lstStyle/>
+          <a:p>
+            <a:r>
+              <a:rPr kumimoji="1" lang="en-US" altLang="ja-JP" dirty="0"/>
+              <a:t>53.05mm</a:t>
+            </a:r>
+            <a:endParaRPr kumimoji="1" lang="ja-JP" altLang="en-US" dirty="0"/>
+          </a:p>
+        </p:txBody>
+      </p:sp>
+      <p:sp>
+        <p:nvSpPr>
+          <p:cNvPr id="19" name="テキスト ボックス 18">
+            <a:extLst>
+              <a:ext uri="{FF2B5EF4-FFF2-40B4-BE49-F238E27FC236}">
+                <a16:creationId xmlns:a16="http://schemas.microsoft.com/office/drawing/2014/main" id="{035752B0-295B-EEF0-0FE5-CAFB3840E3D1}"/>
+              </a:ext>
+            </a:extLst>
+          </p:cNvPr>
+          <p:cNvSpPr txBox="1"/>
+          <p:nvPr/>
+        </p:nvSpPr>
+        <p:spPr>
+          <a:xfrm>
+            <a:off x="5834635" y="2379621"/>
+            <a:ext cx="1180072" cy="369332"/>
+          </a:xfrm>
+          <a:prstGeom prst="rect">
+            <a:avLst/>
+          </a:prstGeom>
+          <a:solidFill>
+            <a:schemeClr val="bg1"/>
+          </a:solidFill>
+        </p:spPr>
+        <p:txBody>
+          <a:bodyPr wrap="square" rtlCol="0">
+            <a:spAutoFit/>
+          </a:bodyPr>
+          <a:lstStyle/>
+          <a:p>
+            <a:r>
+              <a:rPr kumimoji="1" lang="en-US" altLang="ja-JP" dirty="0"/>
+              <a:t>26.53mm</a:t>
+            </a:r>
+            <a:endParaRPr kumimoji="1" lang="ja-JP" altLang="en-US" dirty="0"/>
+          </a:p>
+        </p:txBody>
+      </p:sp>
+      <p:sp>
+        <p:nvSpPr>
+          <p:cNvPr id="20" name="正方形/長方形 19">
+            <a:extLst>
+              <a:ext uri="{FF2B5EF4-FFF2-40B4-BE49-F238E27FC236}">
+                <a16:creationId xmlns:a16="http://schemas.microsoft.com/office/drawing/2014/main" id="{D1FA04FD-FB58-F7D3-D919-A349BF2755FB}"/>
+              </a:ext>
+            </a:extLst>
+          </p:cNvPr>
+          <p:cNvSpPr/>
+          <p:nvPr/>
+        </p:nvSpPr>
+        <p:spPr>
+          <a:xfrm>
+            <a:off x="3809779" y="5250209"/>
+            <a:ext cx="360000" cy="360000"/>
+          </a:xfrm>
+          <a:prstGeom prst="rect">
+            <a:avLst/>
+          </a:prstGeom>
+        </p:spPr>
+        <p:style>
+          <a:lnRef idx="2">
+            <a:schemeClr val="accent1">
+              <a:shade val="15000"/>
+            </a:schemeClr>
+          </a:lnRef>
+          <a:fillRef idx="1">
+            <a:schemeClr val="accent1"/>
+          </a:fillRef>
+          <a:effectRef idx="0">
+            <a:schemeClr val="accent1"/>
+          </a:effectRef>
+          <a:fontRef idx="minor">
+            <a:schemeClr val="lt1"/>
+          </a:fontRef>
+        </p:style>
+        <p:txBody>
+          <a:bodyPr rtlCol="0" anchor="ctr"/>
+          <a:lstStyle/>
+          <a:p>
+            <a:pPr algn="ctr"/>
+            <a:endParaRPr kumimoji="1" lang="ja-JP" altLang="en-US"/>
+          </a:p>
+        </p:txBody>
+      </p:sp>
+    </p:spTree>
+    <p:extLst>
+      <p:ext uri="{BB962C8B-B14F-4D97-AF65-F5344CB8AC3E}">
+        <p14:creationId xmlns:p14="http://schemas.microsoft.com/office/powerpoint/2010/main" val="2238800774"/>
       </p:ext>
     </p:extLst>
   </p:cSld>
